--- a/p3.pptx
+++ b/p3.pptx
@@ -8,6 +8,9 @@
     <p:sldId id="258" r:id="rId2"/>
     <p:sldId id="257" r:id="rId3"/>
     <p:sldId id="256" r:id="rId4"/>
+    <p:sldId id="259" r:id="rId5"/>
+    <p:sldId id="260" r:id="rId6"/>
+    <p:sldId id="261" r:id="rId7"/>
   </p:sldIdLst>
   <p:sldSz cx="12192000" cy="6858000"/>
   <p:notesSz cx="6858000" cy="9144000"/>
@@ -106,6 +109,11 @@
       </a:defRPr>
     </a:lvl9pPr>
   </p:defaultTextStyle>
+  <p:extLst>
+    <p:ext uri="{EFAFB233-063F-42B5-8137-9DF3F51BA10A}">
+      <p15:sldGuideLst xmlns:p15="http://schemas.microsoft.com/office/powerpoint/2012/main"/>
+    </p:ext>
+  </p:extLst>
 </p:presentation>
 </file>
 
@@ -256,7 +264,7 @@
           <a:p>
             <a:fld id="{4364EA5F-28E9-491C-A237-D46D788A7650}" type="datetimeFigureOut">
               <a:rPr lang="en-US" smtClean="0"/>
-              <a:t>2/8/2019</a:t>
+              <a:t>2/14/2019</a:t>
             </a:fld>
             <a:endParaRPr lang="en-US" dirty="0"/>
           </a:p>
@@ -454,7 +462,7 @@
           <a:p>
             <a:fld id="{4364EA5F-28E9-491C-A237-D46D788A7650}" type="datetimeFigureOut">
               <a:rPr lang="en-US" smtClean="0"/>
-              <a:t>2/8/2019</a:t>
+              <a:t>2/14/2019</a:t>
             </a:fld>
             <a:endParaRPr lang="en-US" dirty="0"/>
           </a:p>
@@ -662,7 +670,7 @@
           <a:p>
             <a:fld id="{4364EA5F-28E9-491C-A237-D46D788A7650}" type="datetimeFigureOut">
               <a:rPr lang="en-US" smtClean="0"/>
-              <a:t>2/8/2019</a:t>
+              <a:t>2/14/2019</a:t>
             </a:fld>
             <a:endParaRPr lang="en-US" dirty="0"/>
           </a:p>
@@ -860,7 +868,7 @@
           <a:p>
             <a:fld id="{4364EA5F-28E9-491C-A237-D46D788A7650}" type="datetimeFigureOut">
               <a:rPr lang="en-US" smtClean="0"/>
-              <a:t>2/8/2019</a:t>
+              <a:t>2/14/2019</a:t>
             </a:fld>
             <a:endParaRPr lang="en-US" dirty="0"/>
           </a:p>
@@ -1135,7 +1143,7 @@
           <a:p>
             <a:fld id="{4364EA5F-28E9-491C-A237-D46D788A7650}" type="datetimeFigureOut">
               <a:rPr lang="en-US" smtClean="0"/>
-              <a:t>2/8/2019</a:t>
+              <a:t>2/14/2019</a:t>
             </a:fld>
             <a:endParaRPr lang="en-US" dirty="0"/>
           </a:p>
@@ -1400,7 +1408,7 @@
           <a:p>
             <a:fld id="{4364EA5F-28E9-491C-A237-D46D788A7650}" type="datetimeFigureOut">
               <a:rPr lang="en-US" smtClean="0"/>
-              <a:t>2/8/2019</a:t>
+              <a:t>2/14/2019</a:t>
             </a:fld>
             <a:endParaRPr lang="en-US" dirty="0"/>
           </a:p>
@@ -1812,7 +1820,7 @@
           <a:p>
             <a:fld id="{4364EA5F-28E9-491C-A237-D46D788A7650}" type="datetimeFigureOut">
               <a:rPr lang="en-US" smtClean="0"/>
-              <a:t>2/8/2019</a:t>
+              <a:t>2/14/2019</a:t>
             </a:fld>
             <a:endParaRPr lang="en-US" dirty="0"/>
           </a:p>
@@ -1953,7 +1961,7 @@
           <a:p>
             <a:fld id="{4364EA5F-28E9-491C-A237-D46D788A7650}" type="datetimeFigureOut">
               <a:rPr lang="en-US" smtClean="0"/>
-              <a:t>2/8/2019</a:t>
+              <a:t>2/14/2019</a:t>
             </a:fld>
             <a:endParaRPr lang="en-US" dirty="0"/>
           </a:p>
@@ -2066,7 +2074,7 @@
           <a:p>
             <a:fld id="{4364EA5F-28E9-491C-A237-D46D788A7650}" type="datetimeFigureOut">
               <a:rPr lang="en-US" smtClean="0"/>
-              <a:t>2/8/2019</a:t>
+              <a:t>2/14/2019</a:t>
             </a:fld>
             <a:endParaRPr lang="en-US" dirty="0"/>
           </a:p>
@@ -2377,7 +2385,7 @@
           <a:p>
             <a:fld id="{4364EA5F-28E9-491C-A237-D46D788A7650}" type="datetimeFigureOut">
               <a:rPr lang="en-US" smtClean="0"/>
-              <a:t>2/8/2019</a:t>
+              <a:t>2/14/2019</a:t>
             </a:fld>
             <a:endParaRPr lang="en-US" dirty="0"/>
           </a:p>
@@ -2665,7 +2673,7 @@
           <a:p>
             <a:fld id="{4364EA5F-28E9-491C-A237-D46D788A7650}" type="datetimeFigureOut">
               <a:rPr lang="en-US" smtClean="0"/>
-              <a:t>2/8/2019</a:t>
+              <a:t>2/14/2019</a:t>
             </a:fld>
             <a:endParaRPr lang="en-US" dirty="0"/>
           </a:p>
@@ -2906,7 +2914,7 @@
           <a:p>
             <a:fld id="{4364EA5F-28E9-491C-A237-D46D788A7650}" type="datetimeFigureOut">
               <a:rPr lang="en-US" smtClean="0"/>
-              <a:t>2/8/2019</a:t>
+              <a:t>2/14/2019</a:t>
             </a:fld>
             <a:endParaRPr lang="en-US" dirty="0"/>
           </a:p>
@@ -4742,13 +4750,13 @@
   <p:clrMapOvr>
     <a:overrideClrMapping bg1="lt1" tx1="dk1" bg2="lt2" tx2="dk2" accent1="accent1" accent2="accent2" accent3="accent3" accent4="accent4" accent5="accent5" accent6="accent6" hlink="hlink" folHlink="folHlink"/>
   </p:clrMapOvr>
-  <mc:AlternateContent xmlns:mc="http://schemas.openxmlformats.org/markup-compatibility/2006">
-    <mc:Choice xmlns:p159="http://schemas.microsoft.com/office/powerpoint/2015/09/main" Requires="p159">
+  <mc:AlternateContent xmlns:mc="http://schemas.openxmlformats.org/markup-compatibility/2006" xmlns:p159="http://schemas.microsoft.com/office/powerpoint/2015/09/main">
+    <mc:Choice Requires="p159">
       <p:transition xmlns:p14="http://schemas.microsoft.com/office/powerpoint/2010/main" spd="slow" p14:dur="2000">
         <p159:morph option="byObject"/>
       </p:transition>
     </mc:Choice>
-    <mc:Fallback>
+    <mc:Fallback xmlns="">
       <p:transition spd="slow">
         <p:fade/>
       </p:transition>
@@ -7327,13 +7335,13 @@
   <p:clrMapOvr>
     <a:masterClrMapping/>
   </p:clrMapOvr>
-  <mc:AlternateContent xmlns:mc="http://schemas.openxmlformats.org/markup-compatibility/2006">
-    <mc:Choice xmlns:p159="http://schemas.microsoft.com/office/powerpoint/2015/09/main" Requires="p159">
+  <mc:AlternateContent xmlns:mc="http://schemas.openxmlformats.org/markup-compatibility/2006" xmlns:p159="http://schemas.microsoft.com/office/powerpoint/2015/09/main">
+    <mc:Choice Requires="p159">
       <p:transition spd="slow">
         <p159:morph option="byObject"/>
       </p:transition>
     </mc:Choice>
-    <mc:Fallback>
+    <mc:Fallback xmlns="">
       <p:transition spd="slow">
         <p:fade/>
       </p:transition>
@@ -7549,6 +7557,207 @@
       <p:bldP spid="12" grpId="0"/>
     </p:bldLst>
   </p:timing>
+</p:sld>
+</file>
+
+<file path=ppt/slides/slide4.xml><?xml version="1.0" encoding="utf-8"?>
+<p:sld xmlns:a="http://schemas.openxmlformats.org/drawingml/2006/main" xmlns:r="http://schemas.openxmlformats.org/officeDocument/2006/relationships" xmlns:p="http://schemas.openxmlformats.org/presentationml/2006/main">
+  <p:cSld>
+    <p:bg>
+      <p:bgPr>
+        <a:solidFill>
+          <a:srgbClr val="1E1E1E"/>
+        </a:solidFill>
+        <a:effectLst/>
+      </p:bgPr>
+    </p:bg>
+    <p:spTree>
+      <p:nvGrpSpPr>
+        <p:cNvPr id="1" name=""/>
+        <p:cNvGrpSpPr/>
+        <p:nvPr/>
+      </p:nvGrpSpPr>
+      <p:grpSpPr>
+        <a:xfrm>
+          <a:off x="0" y="0"/>
+          <a:ext cx="0" cy="0"/>
+          <a:chOff x="0" y="0"/>
+          <a:chExt cx="0" cy="0"/>
+        </a:xfrm>
+      </p:grpSpPr>
+      <p:pic>
+        <p:nvPicPr>
+          <p:cNvPr id="2" name="Picture 1">
+            <a:extLst>
+              <a:ext uri="{FF2B5EF4-FFF2-40B4-BE49-F238E27FC236}">
+                <a16:creationId xmlns:a16="http://schemas.microsoft.com/office/drawing/2014/main" id="{FCAA7813-F168-4E40-AF58-1C219A0E5204}"/>
+              </a:ext>
+            </a:extLst>
+          </p:cNvPr>
+          <p:cNvPicPr>
+            <a:picLocks noChangeAspect="1"/>
+          </p:cNvPicPr>
+          <p:nvPr/>
+        </p:nvPicPr>
+        <p:blipFill rotWithShape="1">
+          <a:blip r:embed="rId3"/>
+          <a:srcRect l="425" r="288" b="1112"/>
+          <a:stretch/>
+        </p:blipFill>
+        <p:spPr>
+          <a:xfrm>
+            <a:off x="586740" y="38100"/>
+            <a:ext cx="11018520" cy="6781800"/>
+          </a:xfrm>
+          <a:prstGeom prst="rect">
+            <a:avLst/>
+          </a:prstGeom>
+        </p:spPr>
+      </p:pic>
+    </p:spTree>
+    <p:extLst>
+      <p:ext uri="{BB962C8B-B14F-4D97-AF65-F5344CB8AC3E}">
+        <p14:creationId xmlns:p14="http://schemas.microsoft.com/office/powerpoint/2010/main" val="30601935"/>
+      </p:ext>
+    </p:extLst>
+  </p:cSld>
+  <p:clrMapOvr>
+    <a:overrideClrMapping bg1="lt1" tx1="dk1" bg2="lt2" tx2="dk2" accent1="accent1" accent2="accent2" accent3="accent3" accent4="accent4" accent5="accent5" accent6="accent6" hlink="hlink" folHlink="folHlink"/>
+  </p:clrMapOvr>
+</p:sld>
+</file>
+
+<file path=ppt/slides/slide5.xml><?xml version="1.0" encoding="utf-8"?>
+<p:sld xmlns:a="http://schemas.openxmlformats.org/drawingml/2006/main" xmlns:r="http://schemas.openxmlformats.org/officeDocument/2006/relationships" xmlns:p="http://schemas.openxmlformats.org/presentationml/2006/main">
+  <p:cSld>
+    <p:bg>
+      <p:bgPr>
+        <a:solidFill>
+          <a:srgbClr val="1E1E1E"/>
+        </a:solidFill>
+        <a:effectLst/>
+      </p:bgPr>
+    </p:bg>
+    <p:spTree>
+      <p:nvGrpSpPr>
+        <p:cNvPr id="1" name=""/>
+        <p:cNvGrpSpPr/>
+        <p:nvPr/>
+      </p:nvGrpSpPr>
+      <p:grpSpPr>
+        <a:xfrm>
+          <a:off x="0" y="0"/>
+          <a:ext cx="0" cy="0"/>
+          <a:chOff x="0" y="0"/>
+          <a:chExt cx="0" cy="0"/>
+        </a:xfrm>
+      </p:grpSpPr>
+      <p:pic>
+        <p:nvPicPr>
+          <p:cNvPr id="2" name="Picture 1">
+            <a:extLst>
+              <a:ext uri="{FF2B5EF4-FFF2-40B4-BE49-F238E27FC236}">
+                <a16:creationId xmlns:a16="http://schemas.microsoft.com/office/drawing/2014/main" id="{915921EA-322C-43AF-A01D-9A6A42A9217B}"/>
+              </a:ext>
+            </a:extLst>
+          </p:cNvPr>
+          <p:cNvPicPr>
+            <a:picLocks noChangeAspect="1"/>
+          </p:cNvPicPr>
+          <p:nvPr/>
+        </p:nvPicPr>
+        <p:blipFill rotWithShape="1">
+          <a:blip r:embed="rId3"/>
+          <a:srcRect l="563" r="563" b="1010"/>
+          <a:stretch/>
+        </p:blipFill>
+        <p:spPr>
+          <a:xfrm>
+            <a:off x="609600" y="0"/>
+            <a:ext cx="10972800" cy="6788727"/>
+          </a:xfrm>
+          <a:prstGeom prst="rect">
+            <a:avLst/>
+          </a:prstGeom>
+        </p:spPr>
+      </p:pic>
+    </p:spTree>
+    <p:extLst>
+      <p:ext uri="{BB962C8B-B14F-4D97-AF65-F5344CB8AC3E}">
+        <p14:creationId xmlns:p14="http://schemas.microsoft.com/office/powerpoint/2010/main" val="272563394"/>
+      </p:ext>
+    </p:extLst>
+  </p:cSld>
+  <p:clrMapOvr>
+    <a:overrideClrMapping bg1="lt1" tx1="dk1" bg2="lt2" tx2="dk2" accent1="accent1" accent2="accent2" accent3="accent3" accent4="accent4" accent5="accent5" accent6="accent6" hlink="hlink" folHlink="folHlink"/>
+  </p:clrMapOvr>
+</p:sld>
+</file>
+
+<file path=ppt/slides/slide6.xml><?xml version="1.0" encoding="utf-8"?>
+<p:sld xmlns:a="http://schemas.openxmlformats.org/drawingml/2006/main" xmlns:r="http://schemas.openxmlformats.org/officeDocument/2006/relationships" xmlns:p="http://schemas.openxmlformats.org/presentationml/2006/main">
+  <p:cSld>
+    <p:bg>
+      <p:bgPr>
+        <a:solidFill>
+          <a:srgbClr val="1E1E1E"/>
+        </a:solidFill>
+        <a:effectLst/>
+      </p:bgPr>
+    </p:bg>
+    <p:spTree>
+      <p:nvGrpSpPr>
+        <p:cNvPr id="1" name=""/>
+        <p:cNvGrpSpPr/>
+        <p:nvPr/>
+      </p:nvGrpSpPr>
+      <p:grpSpPr>
+        <a:xfrm>
+          <a:off x="0" y="0"/>
+          <a:ext cx="0" cy="0"/>
+          <a:chOff x="0" y="0"/>
+          <a:chExt cx="0" cy="0"/>
+        </a:xfrm>
+      </p:grpSpPr>
+      <p:pic>
+        <p:nvPicPr>
+          <p:cNvPr id="2" name="Picture 1">
+            <a:extLst>
+              <a:ext uri="{FF2B5EF4-FFF2-40B4-BE49-F238E27FC236}">
+                <a16:creationId xmlns:a16="http://schemas.microsoft.com/office/drawing/2014/main" id="{CC5EFE34-BF1A-4051-BECE-779ECD40251D}"/>
+              </a:ext>
+            </a:extLst>
+          </p:cNvPr>
+          <p:cNvPicPr>
+            <a:picLocks noChangeAspect="1"/>
+          </p:cNvPicPr>
+          <p:nvPr/>
+        </p:nvPicPr>
+        <p:blipFill rotWithShape="1">
+          <a:blip r:embed="rId3"/>
+          <a:srcRect l="646" r="811" b="1413"/>
+          <a:stretch/>
+        </p:blipFill>
+        <p:spPr>
+          <a:xfrm>
+            <a:off x="618835" y="-5793"/>
+            <a:ext cx="10945092" cy="6766811"/>
+          </a:xfrm>
+          <a:prstGeom prst="rect">
+            <a:avLst/>
+          </a:prstGeom>
+        </p:spPr>
+      </p:pic>
+    </p:spTree>
+    <p:extLst>
+      <p:ext uri="{BB962C8B-B14F-4D97-AF65-F5344CB8AC3E}">
+        <p14:creationId xmlns:p14="http://schemas.microsoft.com/office/powerpoint/2010/main" val="3912861829"/>
+      </p:ext>
+    </p:extLst>
+  </p:cSld>
+  <p:clrMapOvr>
+    <a:overrideClrMapping bg1="lt1" tx1="dk1" bg2="lt2" tx2="dk2" accent1="accent1" accent2="accent2" accent3="accent3" accent4="accent4" accent5="accent5" accent6="accent6" hlink="hlink" folHlink="folHlink"/>
+  </p:clrMapOvr>
 </p:sld>
 </file>
 
@@ -7931,4 +8140,133 @@
     </a:folHlink>
   </a:clrScheme>
 </a:themeOverride>
+</file>
+
+<file path=ppt/theme/themeOverride3.xml><?xml version="1.0" encoding="utf-8"?>
+<a:themeOverride xmlns:a="http://schemas.openxmlformats.org/drawingml/2006/main">
+  <a:clrScheme name="Office">
+    <a:dk1>
+      <a:sysClr val="windowText" lastClr="000000"/>
+    </a:dk1>
+    <a:lt1>
+      <a:sysClr val="window" lastClr="FFFFFF"/>
+    </a:lt1>
+    <a:dk2>
+      <a:srgbClr val="44546A"/>
+    </a:dk2>
+    <a:lt2>
+      <a:srgbClr val="E7E6E6"/>
+    </a:lt2>
+    <a:accent1>
+      <a:srgbClr val="4472C4"/>
+    </a:accent1>
+    <a:accent2>
+      <a:srgbClr val="ED7D31"/>
+    </a:accent2>
+    <a:accent3>
+      <a:srgbClr val="A5A5A5"/>
+    </a:accent3>
+    <a:accent4>
+      <a:srgbClr val="FFC000"/>
+    </a:accent4>
+    <a:accent5>
+      <a:srgbClr val="5B9BD5"/>
+    </a:accent5>
+    <a:accent6>
+      <a:srgbClr val="70AD47"/>
+    </a:accent6>
+    <a:hlink>
+      <a:srgbClr val="0563C1"/>
+    </a:hlink>
+    <a:folHlink>
+      <a:srgbClr val="954F72"/>
+    </a:folHlink>
+  </a:clrScheme>
+</a:themeOverride>
+</file>
+
+<file path=ppt/theme/themeOverride4.xml><?xml version="1.0" encoding="utf-8"?>
+<a:themeOverride xmlns:a="http://schemas.openxmlformats.org/drawingml/2006/main">
+  <a:clrScheme name="Office">
+    <a:dk1>
+      <a:sysClr val="windowText" lastClr="000000"/>
+    </a:dk1>
+    <a:lt1>
+      <a:sysClr val="window" lastClr="FFFFFF"/>
+    </a:lt1>
+    <a:dk2>
+      <a:srgbClr val="44546A"/>
+    </a:dk2>
+    <a:lt2>
+      <a:srgbClr val="E7E6E6"/>
+    </a:lt2>
+    <a:accent1>
+      <a:srgbClr val="4472C4"/>
+    </a:accent1>
+    <a:accent2>
+      <a:srgbClr val="ED7D31"/>
+    </a:accent2>
+    <a:accent3>
+      <a:srgbClr val="A5A5A5"/>
+    </a:accent3>
+    <a:accent4>
+      <a:srgbClr val="FFC000"/>
+    </a:accent4>
+    <a:accent5>
+      <a:srgbClr val="5B9BD5"/>
+    </a:accent5>
+    <a:accent6>
+      <a:srgbClr val="70AD47"/>
+    </a:accent6>
+    <a:hlink>
+      <a:srgbClr val="0563C1"/>
+    </a:hlink>
+    <a:folHlink>
+      <a:srgbClr val="954F72"/>
+    </a:folHlink>
+  </a:clrScheme>
+</a:themeOverride>
+</file>
+
+<file path=ppt/theme/themeOverride5.xml><?xml version="1.0" encoding="utf-8"?>
+<a:themeOverride xmlns:a="http://schemas.openxmlformats.org/drawingml/2006/main">
+  <a:clrScheme name="Office">
+    <a:dk1>
+      <a:sysClr val="windowText" lastClr="000000"/>
+    </a:dk1>
+    <a:lt1>
+      <a:sysClr val="window" lastClr="FFFFFF"/>
+    </a:lt1>
+    <a:dk2>
+      <a:srgbClr val="44546A"/>
+    </a:dk2>
+    <a:lt2>
+      <a:srgbClr val="E7E6E6"/>
+    </a:lt2>
+    <a:accent1>
+      <a:srgbClr val="4472C4"/>
+    </a:accent1>
+    <a:accent2>
+      <a:srgbClr val="ED7D31"/>
+    </a:accent2>
+    <a:accent3>
+      <a:srgbClr val="A5A5A5"/>
+    </a:accent3>
+    <a:accent4>
+      <a:srgbClr val="FFC000"/>
+    </a:accent4>
+    <a:accent5>
+      <a:srgbClr val="5B9BD5"/>
+    </a:accent5>
+    <a:accent6>
+      <a:srgbClr val="70AD47"/>
+    </a:accent6>
+    <a:hlink>
+      <a:srgbClr val="0563C1"/>
+    </a:hlink>
+    <a:folHlink>
+      <a:srgbClr val="954F72"/>
+    </a:folHlink>
+  </a:clrScheme>
+</a:themeOverride>
 </file>